--- a/docs/diagrams/ModelComponentClassDiagram.pptx
+++ b/docs/diagrams/ModelComponentClassDiagram.pptx
@@ -208,7 +208,7 @@
           <a:p>
             <a:fld id="{F5CC4B3F-88C1-4FFA-B1B6-F41C21DC6924}" type="datetimeFigureOut">
               <a:rPr lang="en-US" smtClean="0"/>
-              <a:t>6/27/2018</a:t>
+              <a:t>10/19/2018</a:t>
             </a:fld>
             <a:endParaRPr lang="en-US"/>
           </a:p>
@@ -654,7 +654,7 @@
           <a:p>
             <a:fld id="{78C97017-6FC3-485B-9764-EAC9E56C1D49}" type="datetimeFigureOut">
               <a:rPr lang="en-US" smtClean="0"/>
-              <a:t>6/27/2018</a:t>
+              <a:t>10/19/2018</a:t>
             </a:fld>
             <a:endParaRPr lang="en-US"/>
           </a:p>
@@ -822,7 +822,7 @@
           <a:p>
             <a:fld id="{78C97017-6FC3-485B-9764-EAC9E56C1D49}" type="datetimeFigureOut">
               <a:rPr lang="en-US" smtClean="0"/>
-              <a:t>6/27/2018</a:t>
+              <a:t>10/19/2018</a:t>
             </a:fld>
             <a:endParaRPr lang="en-US"/>
           </a:p>
@@ -1000,7 +1000,7 @@
           <a:p>
             <a:fld id="{78C97017-6FC3-485B-9764-EAC9E56C1D49}" type="datetimeFigureOut">
               <a:rPr lang="en-US" smtClean="0"/>
-              <a:t>6/27/2018</a:t>
+              <a:t>10/19/2018</a:t>
             </a:fld>
             <a:endParaRPr lang="en-US"/>
           </a:p>
@@ -1168,7 +1168,7 @@
           <a:p>
             <a:fld id="{78C97017-6FC3-485B-9764-EAC9E56C1D49}" type="datetimeFigureOut">
               <a:rPr lang="en-US" smtClean="0"/>
-              <a:t>6/27/2018</a:t>
+              <a:t>10/19/2018</a:t>
             </a:fld>
             <a:endParaRPr lang="en-US"/>
           </a:p>
@@ -1413,7 +1413,7 @@
           <a:p>
             <a:fld id="{78C97017-6FC3-485B-9764-EAC9E56C1D49}" type="datetimeFigureOut">
               <a:rPr lang="en-US" smtClean="0"/>
-              <a:t>6/27/2018</a:t>
+              <a:t>10/19/2018</a:t>
             </a:fld>
             <a:endParaRPr lang="en-US"/>
           </a:p>
@@ -1698,7 +1698,7 @@
           <a:p>
             <a:fld id="{78C97017-6FC3-485B-9764-EAC9E56C1D49}" type="datetimeFigureOut">
               <a:rPr lang="en-US" smtClean="0"/>
-              <a:t>6/27/2018</a:t>
+              <a:t>10/19/2018</a:t>
             </a:fld>
             <a:endParaRPr lang="en-US"/>
           </a:p>
@@ -2117,7 +2117,7 @@
           <a:p>
             <a:fld id="{78C97017-6FC3-485B-9764-EAC9E56C1D49}" type="datetimeFigureOut">
               <a:rPr lang="en-US" smtClean="0"/>
-              <a:t>6/27/2018</a:t>
+              <a:t>10/19/2018</a:t>
             </a:fld>
             <a:endParaRPr lang="en-US"/>
           </a:p>
@@ -2234,7 +2234,7 @@
           <a:p>
             <a:fld id="{78C97017-6FC3-485B-9764-EAC9E56C1D49}" type="datetimeFigureOut">
               <a:rPr lang="en-US" smtClean="0"/>
-              <a:t>6/27/2018</a:t>
+              <a:t>10/19/2018</a:t>
             </a:fld>
             <a:endParaRPr lang="en-US"/>
           </a:p>
@@ -2329,7 +2329,7 @@
           <a:p>
             <a:fld id="{78C97017-6FC3-485B-9764-EAC9E56C1D49}" type="datetimeFigureOut">
               <a:rPr lang="en-US" smtClean="0"/>
-              <a:t>6/27/2018</a:t>
+              <a:t>10/19/2018</a:t>
             </a:fld>
             <a:endParaRPr lang="en-US"/>
           </a:p>
@@ -2604,7 +2604,7 @@
           <a:p>
             <a:fld id="{78C97017-6FC3-485B-9764-EAC9E56C1D49}" type="datetimeFigureOut">
               <a:rPr lang="en-US" smtClean="0"/>
-              <a:t>6/27/2018</a:t>
+              <a:t>10/19/2018</a:t>
             </a:fld>
             <a:endParaRPr lang="en-US"/>
           </a:p>
@@ -2856,7 +2856,7 @@
           <a:p>
             <a:fld id="{78C97017-6FC3-485B-9764-EAC9E56C1D49}" type="datetimeFigureOut">
               <a:rPr lang="en-US" smtClean="0"/>
-              <a:t>6/27/2018</a:t>
+              <a:t>10/19/2018</a:t>
             </a:fld>
             <a:endParaRPr lang="en-US"/>
           </a:p>
@@ -3067,7 +3067,7 @@
           <a:p>
             <a:fld id="{78C97017-6FC3-485B-9764-EAC9E56C1D49}" type="datetimeFigureOut">
               <a:rPr lang="en-US" smtClean="0"/>
-              <a:t>6/27/2018</a:t>
+              <a:t>10/19/2018</a:t>
             </a:fld>
             <a:endParaRPr lang="en-US"/>
           </a:p>
@@ -3961,8 +3961,8 @@
         </p:nvSpPr>
         <p:spPr>
           <a:xfrm>
-            <a:off x="2825280" y="2846162"/>
-            <a:ext cx="1490560" cy="334856"/>
+            <a:off x="2704584" y="2846162"/>
+            <a:ext cx="1611256" cy="334856"/>
           </a:xfrm>
           <a:prstGeom prst="rect">
             <a:avLst/>
@@ -3994,12 +3994,12 @@
           <a:p>
             <a:pPr algn="ctr"/>
             <a:r>
-              <a:rPr lang="en-US" sz="1050" dirty="0" err="1" smtClean="0">
+              <a:rPr lang="en-US" sz="1050" dirty="0" err="1">
                 <a:solidFill>
                   <a:srgbClr val="7030A0"/>
                 </a:solidFill>
               </a:rPr>
-              <a:t>VersionedAddressBook</a:t>
+              <a:t>VersionedTaskCollection</a:t>
             </a:r>
             <a:endParaRPr lang="en-SG" sz="1050" dirty="0">
               <a:solidFill>
@@ -4013,6 +4013,7 @@
         <p:nvCxnSpPr>
           <p:cNvPr id="47" name="Straight Arrow Connector 46"/>
           <p:cNvCxnSpPr>
+            <a:cxnSpLocks/>
             <a:stCxn id="48" idx="3"/>
             <a:endCxn id="46" idx="1"/>
           </p:cNvCxnSpPr>
@@ -4021,7 +4022,7 @@
         <p:spPr>
           <a:xfrm>
             <a:off x="2624360" y="3003033"/>
-            <a:ext cx="200920" cy="10557"/>
+            <a:ext cx="80224" cy="10557"/>
           </a:xfrm>
           <a:prstGeom prst="straightConnector1">
             <a:avLst/>
@@ -4141,7 +4142,7 @@
                   <a:srgbClr val="7030A0"/>
                 </a:solidFill>
               </a:rPr>
-              <a:t>UniquePersonList</a:t>
+              <a:t>UniqueTaskList</a:t>
             </a:r>
             <a:endParaRPr lang="en-SG" sz="1050" dirty="0">
               <a:solidFill>
@@ -4244,7 +4245,7 @@
                   <a:srgbClr val="7030A0"/>
                 </a:solidFill>
               </a:rPr>
-              <a:t>Person</a:t>
+              <a:t>Task</a:t>
             </a:r>
             <a:endParaRPr lang="en-SG" sz="1050" dirty="0">
               <a:solidFill>
@@ -4529,7 +4530,7 @@
                   <a:srgbClr val="7030A0"/>
                 </a:solidFill>
               </a:rPr>
-              <a:t>Phone</a:t>
+              <a:t>Due Date</a:t>
             </a:r>
             <a:endParaRPr lang="en-SG" sz="1050" dirty="0">
               <a:solidFill>
@@ -4626,7 +4627,7 @@
                   <a:srgbClr val="7030A0"/>
                 </a:solidFill>
               </a:rPr>
-              <a:t>Email</a:t>
+              <a:t>Priority</a:t>
             </a:r>
             <a:endParaRPr lang="en-SG" sz="1050" dirty="0">
               <a:solidFill>
@@ -4686,7 +4687,7 @@
         <p:spPr>
           <a:xfrm>
             <a:off x="7712397" y="3533171"/>
-            <a:ext cx="708186" cy="285783"/>
+            <a:ext cx="873606" cy="313249"/>
           </a:xfrm>
           <a:prstGeom prst="rect">
             <a:avLst/>
@@ -4723,7 +4724,7 @@
                   <a:srgbClr val="7030A0"/>
                 </a:solidFill>
               </a:rPr>
-              <a:t>Address</a:t>
+              <a:t>Attachment</a:t>
             </a:r>
             <a:endParaRPr lang="en-SG" sz="1050" dirty="0">
               <a:solidFill>
@@ -4737,6 +4738,7 @@
         <p:nvCxnSpPr>
           <p:cNvPr id="86" name="Elbow Connector 85"/>
           <p:cNvCxnSpPr>
+            <a:cxnSpLocks/>
             <a:stCxn id="78" idx="3"/>
             <a:endCxn id="85" idx="1"/>
           </p:cNvCxnSpPr>
@@ -4745,7 +4747,7 @@
         <p:spPr>
           <a:xfrm>
             <a:off x="7277995" y="3034891"/>
-            <a:ext cx="434402" cy="641172"/>
+            <a:ext cx="434402" cy="654905"/>
           </a:xfrm>
           <a:prstGeom prst="bentConnector3">
             <a:avLst/>
@@ -4873,8 +4875,8 @@
         </p:nvSpPr>
         <p:spPr>
           <a:xfrm>
-            <a:off x="1260922" y="1998350"/>
-            <a:ext cx="1443661" cy="364396"/>
+            <a:off x="1119866" y="1998350"/>
+            <a:ext cx="1584718" cy="364396"/>
           </a:xfrm>
           <a:prstGeom prst="rect">
             <a:avLst/>
@@ -4926,7 +4928,7 @@
                   <a:srgbClr val="7030A0"/>
                 </a:solidFill>
               </a:rPr>
-              <a:t>ReadOnlyAddressBook</a:t>
+              <a:t>ReadOnlyTaskCollection</a:t>
             </a:r>
             <a:endParaRPr lang="en-SG" sz="1050" dirty="0">
               <a:solidFill>
@@ -5022,14 +5024,6 @@
                 </a:solidFill>
               </a:rPr>
               <a:t>&lt;&lt;interface&gt;&gt;</a:t>
-            </a:r>
-            <a:r>
-              <a:rPr lang="en-US" sz="1050">
-                <a:solidFill>
-                  <a:srgbClr val="7030A0"/>
-                </a:solidFill>
-              </a:rPr>
-              <a:t/>
             </a:r>
             <a:br>
               <a:rPr lang="en-US" sz="1050">
@@ -5456,7 +5450,7 @@
         </p:nvSpPr>
         <p:spPr>
           <a:xfrm>
-            <a:off x="3170181" y="1998350"/>
+            <a:off x="3167212" y="1998350"/>
             <a:ext cx="1060683" cy="364396"/>
           </a:xfrm>
           <a:prstGeom prst="rect">
@@ -5494,7 +5488,7 @@
                   <a:srgbClr val="7030A0"/>
                 </a:solidFill>
               </a:rPr>
-              <a:t>AddressBook</a:t>
+              <a:t>TaskCollection</a:t>
             </a:r>
             <a:endParaRPr lang="en-SG" sz="1050" dirty="0">
               <a:solidFill>
@@ -5609,7 +5603,7 @@
         <p:spPr>
           <a:xfrm>
             <a:off x="2898289" y="2177727"/>
-            <a:ext cx="271892" cy="2821"/>
+            <a:ext cx="268923" cy="2821"/>
           </a:xfrm>
           <a:prstGeom prst="bentConnector3">
             <a:avLst>
